--- a/Project-Two Team-;D.pptx
+++ b/Project-Two Team-;D.pptx
@@ -523,7 +523,7 @@
           <a:noFill/>
           <a:extLst>
             <a:ext uri="{909E8E84-426E-40dd-AFC4-6F175D3DCCD1}">
-              <a14:hiddenFill xmlns="" xmlns:a14="http://schemas.microsoft.com/office/drawing/2010/main">
+              <a14:hiddenFill xmlns:a14="http://schemas.microsoft.com/office/drawing/2010/main" xmlns="">
                 <a:solidFill>
                   <a:srgbClr val="FFFFFF"/>
                 </a:solidFill>
@@ -583,7 +583,7 @@
             </a:ln>
             <a:extLst>
               <a:ext uri="{91240B29-F687-4f45-9708-019B960494DF}">
-                <a14:hiddenLine xmlns="" xmlns:a14="http://schemas.microsoft.com/office/drawing/2010/main" w="9525">
+                <a14:hiddenLine xmlns:a14="http://schemas.microsoft.com/office/drawing/2010/main" xmlns="" w="9525">
                   <a:solidFill>
                     <a:srgbClr val="000000"/>
                   </a:solidFill>
@@ -673,7 +673,7 @@
             </a:ln>
             <a:extLst>
               <a:ext uri="{91240B29-F687-4f45-9708-019B960494DF}">
-                <a14:hiddenLine xmlns="" xmlns:a14="http://schemas.microsoft.com/office/drawing/2010/main" w="9525">
+                <a14:hiddenLine xmlns:a14="http://schemas.microsoft.com/office/drawing/2010/main" xmlns="" w="9525">
                   <a:solidFill>
                     <a:srgbClr val="000000"/>
                   </a:solidFill>
@@ -763,7 +763,7 @@
             </a:ln>
             <a:extLst>
               <a:ext uri="{91240B29-F687-4f45-9708-019B960494DF}">
-                <a14:hiddenLine xmlns="" xmlns:a14="http://schemas.microsoft.com/office/drawing/2010/main" w="9525">
+                <a14:hiddenLine xmlns:a14="http://schemas.microsoft.com/office/drawing/2010/main" xmlns="" w="9525">
                   <a:solidFill>
                     <a:srgbClr val="000000"/>
                   </a:solidFill>
@@ -797,7 +797,7 @@
             </a:ln>
             <a:extLst>
               <a:ext uri="{91240B29-F687-4f45-9708-019B960494DF}">
-                <a14:hiddenLine xmlns="" xmlns:a14="http://schemas.microsoft.com/office/drawing/2010/main" w="9525">
+                <a14:hiddenLine xmlns:a14="http://schemas.microsoft.com/office/drawing/2010/main" xmlns="" w="9525">
                   <a:solidFill>
                     <a:srgbClr val="000000"/>
                   </a:solidFill>
@@ -887,7 +887,7 @@
             </a:ln>
             <a:extLst>
               <a:ext uri="{91240B29-F687-4f45-9708-019B960494DF}">
-                <a14:hiddenLine xmlns="" xmlns:a14="http://schemas.microsoft.com/office/drawing/2010/main" w="9525">
+                <a14:hiddenLine xmlns:a14="http://schemas.microsoft.com/office/drawing/2010/main" xmlns="" w="9525">
                   <a:solidFill>
                     <a:srgbClr val="000000"/>
                   </a:solidFill>
@@ -949,7 +949,7 @@
             </a:ln>
             <a:extLst>
               <a:ext uri="{91240B29-F687-4f45-9708-019B960494DF}">
-                <a14:hiddenLine xmlns="" xmlns:a14="http://schemas.microsoft.com/office/drawing/2010/main" w="9525">
+                <a14:hiddenLine xmlns:a14="http://schemas.microsoft.com/office/drawing/2010/main" xmlns="" w="9525">
                   <a:solidFill>
                     <a:srgbClr val="000000"/>
                   </a:solidFill>
@@ -1011,7 +1011,7 @@
             </a:ln>
             <a:extLst>
               <a:ext uri="{91240B29-F687-4f45-9708-019B960494DF}">
-                <a14:hiddenLine xmlns="" xmlns:a14="http://schemas.microsoft.com/office/drawing/2010/main" w="9525">
+                <a14:hiddenLine xmlns:a14="http://schemas.microsoft.com/office/drawing/2010/main" xmlns="" w="9525">
                   <a:solidFill>
                     <a:srgbClr val="000000"/>
                   </a:solidFill>
@@ -1101,7 +1101,7 @@
             </a:ln>
             <a:extLst>
               <a:ext uri="{91240B29-F687-4f45-9708-019B960494DF}">
-                <a14:hiddenLine xmlns="" xmlns:a14="http://schemas.microsoft.com/office/drawing/2010/main" w="9525">
+                <a14:hiddenLine xmlns:a14="http://schemas.microsoft.com/office/drawing/2010/main" xmlns="" w="9525">
                   <a:solidFill>
                     <a:srgbClr val="000000"/>
                   </a:solidFill>
@@ -1163,7 +1163,7 @@
             </a:ln>
             <a:extLst>
               <a:ext uri="{91240B29-F687-4f45-9708-019B960494DF}">
-                <a14:hiddenLine xmlns="" xmlns:a14="http://schemas.microsoft.com/office/drawing/2010/main" w="9525">
+                <a14:hiddenLine xmlns:a14="http://schemas.microsoft.com/office/drawing/2010/main" xmlns="" w="9525">
                   <a:solidFill>
                     <a:srgbClr val="000000"/>
                   </a:solidFill>
@@ -1225,7 +1225,7 @@
             </a:ln>
             <a:extLst>
               <a:ext uri="{91240B29-F687-4f45-9708-019B960494DF}">
-                <a14:hiddenLine xmlns="" xmlns:a14="http://schemas.microsoft.com/office/drawing/2010/main" w="9525">
+                <a14:hiddenLine xmlns:a14="http://schemas.microsoft.com/office/drawing/2010/main" xmlns="" w="9525">
                   <a:solidFill>
                     <a:srgbClr val="000000"/>
                   </a:solidFill>
@@ -1315,7 +1315,7 @@
             </a:ln>
             <a:extLst>
               <a:ext uri="{91240B29-F687-4f45-9708-019B960494DF}">
-                <a14:hiddenLine xmlns="" xmlns:a14="http://schemas.microsoft.com/office/drawing/2010/main" w="9525">
+                <a14:hiddenLine xmlns:a14="http://schemas.microsoft.com/office/drawing/2010/main" xmlns="" w="9525">
                   <a:solidFill>
                     <a:srgbClr val="000000"/>
                   </a:solidFill>
@@ -1405,7 +1405,7 @@
             </a:ln>
             <a:extLst>
               <a:ext uri="{91240B29-F687-4f45-9708-019B960494DF}">
-                <a14:hiddenLine xmlns="" xmlns:a14="http://schemas.microsoft.com/office/drawing/2010/main" w="9525">
+                <a14:hiddenLine xmlns:a14="http://schemas.microsoft.com/office/drawing/2010/main" xmlns="" w="9525">
                   <a:solidFill>
                     <a:srgbClr val="000000"/>
                   </a:solidFill>
@@ -1467,7 +1467,7 @@
             </a:ln>
             <a:extLst>
               <a:ext uri="{91240B29-F687-4f45-9708-019B960494DF}">
-                <a14:hiddenLine xmlns="" xmlns:a14="http://schemas.microsoft.com/office/drawing/2010/main" w="9525">
+                <a14:hiddenLine xmlns:a14="http://schemas.microsoft.com/office/drawing/2010/main" xmlns="" w="9525">
                   <a:solidFill>
                     <a:srgbClr val="000000"/>
                   </a:solidFill>
@@ -1577,7 +1577,7 @@
             </a:ln>
             <a:extLst>
               <a:ext uri="{91240B29-F687-4f45-9708-019B960494DF}">
-                <a14:hiddenLine xmlns="" xmlns:a14="http://schemas.microsoft.com/office/drawing/2010/main" w="9525">
+                <a14:hiddenLine xmlns:a14="http://schemas.microsoft.com/office/drawing/2010/main" xmlns="" w="9525">
                   <a:solidFill>
                     <a:srgbClr val="000000"/>
                   </a:solidFill>
@@ -1639,7 +1639,7 @@
             </a:ln>
             <a:extLst>
               <a:ext uri="{91240B29-F687-4f45-9708-019B960494DF}">
-                <a14:hiddenLine xmlns="" xmlns:a14="http://schemas.microsoft.com/office/drawing/2010/main" w="9525">
+                <a14:hiddenLine xmlns:a14="http://schemas.microsoft.com/office/drawing/2010/main" xmlns="" w="9525">
                   <a:solidFill>
                     <a:srgbClr val="000000"/>
                   </a:solidFill>
@@ -1729,7 +1729,7 @@
             </a:ln>
             <a:extLst>
               <a:ext uri="{91240B29-F687-4f45-9708-019B960494DF}">
-                <a14:hiddenLine xmlns="" xmlns:a14="http://schemas.microsoft.com/office/drawing/2010/main" w="9525">
+                <a14:hiddenLine xmlns:a14="http://schemas.microsoft.com/office/drawing/2010/main" xmlns="" w="9525">
                   <a:solidFill>
                     <a:srgbClr val="000000"/>
                   </a:solidFill>
@@ -1819,7 +1819,7 @@
             </a:ln>
             <a:extLst>
               <a:ext uri="{91240B29-F687-4f45-9708-019B960494DF}">
-                <a14:hiddenLine xmlns="" xmlns:a14="http://schemas.microsoft.com/office/drawing/2010/main" w="9525">
+                <a14:hiddenLine xmlns:a14="http://schemas.microsoft.com/office/drawing/2010/main" xmlns="" w="9525">
                   <a:solidFill>
                     <a:srgbClr val="000000"/>
                   </a:solidFill>
@@ -1881,7 +1881,7 @@
             </a:ln>
             <a:extLst>
               <a:ext uri="{91240B29-F687-4f45-9708-019B960494DF}">
-                <a14:hiddenLine xmlns="" xmlns:a14="http://schemas.microsoft.com/office/drawing/2010/main" w="9525">
+                <a14:hiddenLine xmlns:a14="http://schemas.microsoft.com/office/drawing/2010/main" xmlns="" w="9525">
                   <a:solidFill>
                     <a:srgbClr val="000000"/>
                   </a:solidFill>
@@ -1971,7 +1971,7 @@
             </a:ln>
             <a:extLst>
               <a:ext uri="{91240B29-F687-4f45-9708-019B960494DF}">
-                <a14:hiddenLine xmlns="" xmlns:a14="http://schemas.microsoft.com/office/drawing/2010/main" w="9525">
+                <a14:hiddenLine xmlns:a14="http://schemas.microsoft.com/office/drawing/2010/main" xmlns="" w="9525">
                   <a:solidFill>
                     <a:srgbClr val="000000"/>
                   </a:solidFill>
@@ -2061,7 +2061,7 @@
             </a:ln>
             <a:extLst>
               <a:ext uri="{91240B29-F687-4f45-9708-019B960494DF}">
-                <a14:hiddenLine xmlns="" xmlns:a14="http://schemas.microsoft.com/office/drawing/2010/main" w="9525">
+                <a14:hiddenLine xmlns:a14="http://schemas.microsoft.com/office/drawing/2010/main" xmlns="" w="9525">
                   <a:solidFill>
                     <a:srgbClr val="000000"/>
                   </a:solidFill>
@@ -2117,7 +2117,7 @@
             </a:ln>
             <a:extLst>
               <a:ext uri="{91240B29-F687-4f45-9708-019B960494DF}">
-                <a14:hiddenLine xmlns="" xmlns:a14="http://schemas.microsoft.com/office/drawing/2010/main" w="9525">
+                <a14:hiddenLine xmlns:a14="http://schemas.microsoft.com/office/drawing/2010/main" xmlns="" w="9525">
                   <a:solidFill>
                     <a:srgbClr val="000000"/>
                   </a:solidFill>
@@ -2207,7 +2207,7 @@
             </a:ln>
             <a:extLst>
               <a:ext uri="{91240B29-F687-4f45-9708-019B960494DF}">
-                <a14:hiddenLine xmlns="" xmlns:a14="http://schemas.microsoft.com/office/drawing/2010/main" w="9525">
+                <a14:hiddenLine xmlns:a14="http://schemas.microsoft.com/office/drawing/2010/main" xmlns="" w="9525">
                   <a:solidFill>
                     <a:srgbClr val="000000"/>
                   </a:solidFill>
@@ -2263,7 +2263,7 @@
             </a:ln>
             <a:extLst>
               <a:ext uri="{91240B29-F687-4f45-9708-019B960494DF}">
-                <a14:hiddenLine xmlns="" xmlns:a14="http://schemas.microsoft.com/office/drawing/2010/main" w="9525">
+                <a14:hiddenLine xmlns:a14="http://schemas.microsoft.com/office/drawing/2010/main" xmlns="" w="9525">
                   <a:solidFill>
                     <a:srgbClr val="000000"/>
                   </a:solidFill>
@@ -2353,7 +2353,7 @@
             </a:ln>
             <a:extLst>
               <a:ext uri="{91240B29-F687-4f45-9708-019B960494DF}">
-                <a14:hiddenLine xmlns="" xmlns:a14="http://schemas.microsoft.com/office/drawing/2010/main" w="9525">
+                <a14:hiddenLine xmlns:a14="http://schemas.microsoft.com/office/drawing/2010/main" xmlns="" w="9525">
                   <a:solidFill>
                     <a:srgbClr val="000000"/>
                   </a:solidFill>
@@ -2421,7 +2421,7 @@
             </a:ln>
             <a:extLst>
               <a:ext uri="{91240B29-F687-4f45-9708-019B960494DF}">
-                <a14:hiddenLine xmlns="" xmlns:a14="http://schemas.microsoft.com/office/drawing/2010/main" w="9525">
+                <a14:hiddenLine xmlns:a14="http://schemas.microsoft.com/office/drawing/2010/main" xmlns="" w="9525">
                   <a:solidFill>
                     <a:srgbClr val="000000"/>
                   </a:solidFill>
@@ -2511,7 +2511,7 @@
             </a:ln>
             <a:extLst>
               <a:ext uri="{91240B29-F687-4f45-9708-019B960494DF}">
-                <a14:hiddenLine xmlns="" xmlns:a14="http://schemas.microsoft.com/office/drawing/2010/main" w="9525">
+                <a14:hiddenLine xmlns:a14="http://schemas.microsoft.com/office/drawing/2010/main" xmlns="" w="9525">
                   <a:solidFill>
                     <a:srgbClr val="000000"/>
                   </a:solidFill>
@@ -2579,7 +2579,7 @@
             </a:ln>
             <a:extLst>
               <a:ext uri="{91240B29-F687-4f45-9708-019B960494DF}">
-                <a14:hiddenLine xmlns="" xmlns:a14="http://schemas.microsoft.com/office/drawing/2010/main" w="9525">
+                <a14:hiddenLine xmlns:a14="http://schemas.microsoft.com/office/drawing/2010/main" xmlns="" w="9525">
                   <a:solidFill>
                     <a:srgbClr val="000000"/>
                   </a:solidFill>
@@ -2669,7 +2669,7 @@
             </a:ln>
             <a:extLst>
               <a:ext uri="{91240B29-F687-4f45-9708-019B960494DF}">
-                <a14:hiddenLine xmlns="" xmlns:a14="http://schemas.microsoft.com/office/drawing/2010/main" w="9525">
+                <a14:hiddenLine xmlns:a14="http://schemas.microsoft.com/office/drawing/2010/main" xmlns="" w="9525">
                   <a:solidFill>
                     <a:srgbClr val="000000"/>
                   </a:solidFill>
@@ -2703,7 +2703,7 @@
             </a:ln>
             <a:extLst>
               <a:ext uri="{91240B29-F687-4f45-9708-019B960494DF}">
-                <a14:hiddenLine xmlns="" xmlns:a14="http://schemas.microsoft.com/office/drawing/2010/main" w="9525">
+                <a14:hiddenLine xmlns:a14="http://schemas.microsoft.com/office/drawing/2010/main" xmlns="" w="9525">
                   <a:solidFill>
                     <a:srgbClr val="000000"/>
                   </a:solidFill>
@@ -2793,7 +2793,7 @@
             </a:ln>
             <a:extLst>
               <a:ext uri="{91240B29-F687-4f45-9708-019B960494DF}">
-                <a14:hiddenLine xmlns="" xmlns:a14="http://schemas.microsoft.com/office/drawing/2010/main" w="9525">
+                <a14:hiddenLine xmlns:a14="http://schemas.microsoft.com/office/drawing/2010/main" xmlns="" w="9525">
                   <a:solidFill>
                     <a:srgbClr val="000000"/>
                   </a:solidFill>
@@ -2855,7 +2855,7 @@
             </a:ln>
             <a:extLst>
               <a:ext uri="{91240B29-F687-4f45-9708-019B960494DF}">
-                <a14:hiddenLine xmlns="" xmlns:a14="http://schemas.microsoft.com/office/drawing/2010/main" w="9525">
+                <a14:hiddenLine xmlns:a14="http://schemas.microsoft.com/office/drawing/2010/main" xmlns="" w="9525">
                   <a:solidFill>
                     <a:srgbClr val="000000"/>
                   </a:solidFill>
@@ -2917,7 +2917,7 @@
             </a:ln>
             <a:extLst>
               <a:ext uri="{91240B29-F687-4f45-9708-019B960494DF}">
-                <a14:hiddenLine xmlns="" xmlns:a14="http://schemas.microsoft.com/office/drawing/2010/main" w="9525">
+                <a14:hiddenLine xmlns:a14="http://schemas.microsoft.com/office/drawing/2010/main" xmlns="" w="9525">
                   <a:solidFill>
                     <a:srgbClr val="000000"/>
                   </a:solidFill>
@@ -3007,7 +3007,7 @@
             </a:ln>
             <a:extLst>
               <a:ext uri="{91240B29-F687-4f45-9708-019B960494DF}">
-                <a14:hiddenLine xmlns="" xmlns:a14="http://schemas.microsoft.com/office/drawing/2010/main" w="9525">
+                <a14:hiddenLine xmlns:a14="http://schemas.microsoft.com/office/drawing/2010/main" xmlns="" w="9525">
                   <a:solidFill>
                     <a:srgbClr val="000000"/>
                   </a:solidFill>
@@ -3075,7 +3075,7 @@
             </a:ln>
             <a:extLst>
               <a:ext uri="{91240B29-F687-4f45-9708-019B960494DF}">
-                <a14:hiddenLine xmlns="" xmlns:a14="http://schemas.microsoft.com/office/drawing/2010/main" w="9525">
+                <a14:hiddenLine xmlns:a14="http://schemas.microsoft.com/office/drawing/2010/main" xmlns="" w="9525">
                   <a:solidFill>
                     <a:srgbClr val="000000"/>
                   </a:solidFill>
@@ -3137,7 +3137,7 @@
             </a:ln>
             <a:extLst>
               <a:ext uri="{91240B29-F687-4f45-9708-019B960494DF}">
-                <a14:hiddenLine xmlns="" xmlns:a14="http://schemas.microsoft.com/office/drawing/2010/main" w="9525">
+                <a14:hiddenLine xmlns:a14="http://schemas.microsoft.com/office/drawing/2010/main" xmlns="" w="9525">
                   <a:solidFill>
                     <a:srgbClr val="000000"/>
                   </a:solidFill>
@@ -3227,7 +3227,7 @@
             </a:ln>
             <a:extLst>
               <a:ext uri="{91240B29-F687-4f45-9708-019B960494DF}">
-                <a14:hiddenLine xmlns="" xmlns:a14="http://schemas.microsoft.com/office/drawing/2010/main" w="9525">
+                <a14:hiddenLine xmlns:a14="http://schemas.microsoft.com/office/drawing/2010/main" xmlns="" w="9525">
                   <a:solidFill>
                     <a:srgbClr val="000000"/>
                   </a:solidFill>
@@ -3289,7 +3289,7 @@
             </a:ln>
             <a:extLst>
               <a:ext uri="{91240B29-F687-4f45-9708-019B960494DF}">
-                <a14:hiddenLine xmlns="" xmlns:a14="http://schemas.microsoft.com/office/drawing/2010/main" w="9525">
+                <a14:hiddenLine xmlns:a14="http://schemas.microsoft.com/office/drawing/2010/main" xmlns="" w="9525">
                   <a:solidFill>
                     <a:srgbClr val="000000"/>
                   </a:solidFill>
@@ -3379,7 +3379,7 @@
             </a:ln>
             <a:extLst>
               <a:ext uri="{91240B29-F687-4f45-9708-019B960494DF}">
-                <a14:hiddenLine xmlns="" xmlns:a14="http://schemas.microsoft.com/office/drawing/2010/main" w="9525">
+                <a14:hiddenLine xmlns:a14="http://schemas.microsoft.com/office/drawing/2010/main" xmlns="" w="9525">
                   <a:solidFill>
                     <a:srgbClr val="000000"/>
                   </a:solidFill>
@@ -3441,7 +3441,7 @@
             </a:ln>
             <a:extLst>
               <a:ext uri="{91240B29-F687-4f45-9708-019B960494DF}">
-                <a14:hiddenLine xmlns="" xmlns:a14="http://schemas.microsoft.com/office/drawing/2010/main" w="9525">
+                <a14:hiddenLine xmlns:a14="http://schemas.microsoft.com/office/drawing/2010/main" xmlns="" w="9525">
                   <a:solidFill>
                     <a:srgbClr val="000000"/>
                   </a:solidFill>
@@ -3531,7 +3531,7 @@
             </a:ln>
             <a:extLst>
               <a:ext uri="{91240B29-F687-4f45-9708-019B960494DF}">
-                <a14:hiddenLine xmlns="" xmlns:a14="http://schemas.microsoft.com/office/drawing/2010/main" w="9525">
+                <a14:hiddenLine xmlns:a14="http://schemas.microsoft.com/office/drawing/2010/main" xmlns="" w="9525">
                   <a:solidFill>
                     <a:srgbClr val="000000"/>
                   </a:solidFill>
@@ -3565,7 +3565,7 @@
             </a:ln>
             <a:extLst>
               <a:ext uri="{91240B29-F687-4f45-9708-019B960494DF}">
-                <a14:hiddenLine xmlns="" xmlns:a14="http://schemas.microsoft.com/office/drawing/2010/main" w="9525">
+                <a14:hiddenLine xmlns:a14="http://schemas.microsoft.com/office/drawing/2010/main" xmlns="" w="9525">
                   <a:solidFill>
                     <a:srgbClr val="000000"/>
                   </a:solidFill>
@@ -3630,7 +3630,7 @@
             </a:ln>
             <a:extLst>
               <a:ext uri="{91240B29-F687-4f45-9708-019B960494DF}">
-                <a14:hiddenLine xmlns="" xmlns:a14="http://schemas.microsoft.com/office/drawing/2010/main" w="9525">
+                <a14:hiddenLine xmlns:a14="http://schemas.microsoft.com/office/drawing/2010/main" xmlns="" w="9525">
                   <a:solidFill>
                     <a:srgbClr val="000000"/>
                   </a:solidFill>
@@ -3720,7 +3720,7 @@
             </a:ln>
             <a:extLst>
               <a:ext uri="{91240B29-F687-4f45-9708-019B960494DF}">
-                <a14:hiddenLine xmlns="" xmlns:a14="http://schemas.microsoft.com/office/drawing/2010/main" w="9525">
+                <a14:hiddenLine xmlns:a14="http://schemas.microsoft.com/office/drawing/2010/main" xmlns="" w="9525">
                   <a:solidFill>
                     <a:srgbClr val="000000"/>
                   </a:solidFill>
@@ -3782,7 +3782,7 @@
             </a:ln>
             <a:extLst>
               <a:ext uri="{91240B29-F687-4f45-9708-019B960494DF}">
-                <a14:hiddenLine xmlns="" xmlns:a14="http://schemas.microsoft.com/office/drawing/2010/main" w="9525">
+                <a14:hiddenLine xmlns:a14="http://schemas.microsoft.com/office/drawing/2010/main" xmlns="" w="9525">
                   <a:solidFill>
                     <a:srgbClr val="000000"/>
                   </a:solidFill>
@@ -3872,7 +3872,7 @@
             </a:ln>
             <a:extLst>
               <a:ext uri="{91240B29-F687-4f45-9708-019B960494DF}">
-                <a14:hiddenLine xmlns="" xmlns:a14="http://schemas.microsoft.com/office/drawing/2010/main" w="9525">
+                <a14:hiddenLine xmlns:a14="http://schemas.microsoft.com/office/drawing/2010/main" xmlns="" w="9525">
                   <a:solidFill>
                     <a:srgbClr val="000000"/>
                   </a:solidFill>
@@ -3962,7 +3962,7 @@
             </a:ln>
             <a:extLst>
               <a:ext uri="{91240B29-F687-4f45-9708-019B960494DF}">
-                <a14:hiddenLine xmlns="" xmlns:a14="http://schemas.microsoft.com/office/drawing/2010/main" w="9525">
+                <a14:hiddenLine xmlns:a14="http://schemas.microsoft.com/office/drawing/2010/main" xmlns="" w="9525">
                   <a:solidFill>
                     <a:srgbClr val="000000"/>
                   </a:solidFill>
@@ -4027,7 +4027,7 @@
             </a:ln>
             <a:extLst>
               <a:ext uri="{91240B29-F687-4f45-9708-019B960494DF}">
-                <a14:hiddenLine xmlns="" xmlns:a14="http://schemas.microsoft.com/office/drawing/2010/main" w="9525">
+                <a14:hiddenLine xmlns:a14="http://schemas.microsoft.com/office/drawing/2010/main" xmlns="" w="9525">
                   <a:solidFill>
                     <a:srgbClr val="000000"/>
                   </a:solidFill>
@@ -4089,7 +4089,7 @@
             </a:ln>
             <a:extLst>
               <a:ext uri="{91240B29-F687-4f45-9708-019B960494DF}">
-                <a14:hiddenLine xmlns="" xmlns:a14="http://schemas.microsoft.com/office/drawing/2010/main" w="9525">
+                <a14:hiddenLine xmlns:a14="http://schemas.microsoft.com/office/drawing/2010/main" xmlns="" w="9525">
                   <a:solidFill>
                     <a:srgbClr val="000000"/>
                   </a:solidFill>
@@ -4179,7 +4179,7 @@
             </a:ln>
             <a:extLst>
               <a:ext uri="{91240B29-F687-4f45-9708-019B960494DF}">
-                <a14:hiddenLine xmlns="" xmlns:a14="http://schemas.microsoft.com/office/drawing/2010/main" w="9525">
+                <a14:hiddenLine xmlns:a14="http://schemas.microsoft.com/office/drawing/2010/main" xmlns="" w="9525">
                   <a:solidFill>
                     <a:srgbClr val="000000"/>
                   </a:solidFill>
@@ -4269,7 +4269,7 @@
             </a:ln>
             <a:extLst>
               <a:ext uri="{91240B29-F687-4f45-9708-019B960494DF}">
-                <a14:hiddenLine xmlns="" xmlns:a14="http://schemas.microsoft.com/office/drawing/2010/main" w="9525">
+                <a14:hiddenLine xmlns:a14="http://schemas.microsoft.com/office/drawing/2010/main" xmlns="" w="9525">
                   <a:solidFill>
                     <a:srgbClr val="000000"/>
                   </a:solidFill>
@@ -4331,7 +4331,7 @@
             </a:ln>
             <a:extLst>
               <a:ext uri="{91240B29-F687-4f45-9708-019B960494DF}">
-                <a14:hiddenLine xmlns="" xmlns:a14="http://schemas.microsoft.com/office/drawing/2010/main" w="9525">
+                <a14:hiddenLine xmlns:a14="http://schemas.microsoft.com/office/drawing/2010/main" xmlns="" w="9525">
                   <a:solidFill>
                     <a:srgbClr val="000000"/>
                   </a:solidFill>
@@ -4451,7 +4451,7 @@
             </a:ln>
             <a:extLst>
               <a:ext uri="{91240B29-F687-4f45-9708-019B960494DF}">
-                <a14:hiddenLine xmlns="" xmlns:a14="http://schemas.microsoft.com/office/drawing/2010/main" w="9525">
+                <a14:hiddenLine xmlns:a14="http://schemas.microsoft.com/office/drawing/2010/main" xmlns="" w="9525">
                   <a:solidFill>
                     <a:srgbClr val="000000"/>
                   </a:solidFill>
@@ -4519,7 +4519,7 @@
             </a:ln>
             <a:extLst>
               <a:ext uri="{91240B29-F687-4f45-9708-019B960494DF}">
-                <a14:hiddenLine xmlns="" xmlns:a14="http://schemas.microsoft.com/office/drawing/2010/main" w="9525">
+                <a14:hiddenLine xmlns:a14="http://schemas.microsoft.com/office/drawing/2010/main" xmlns="" w="9525">
                   <a:solidFill>
                     <a:srgbClr val="000000"/>
                   </a:solidFill>
@@ -4609,7 +4609,7 @@
             </a:ln>
             <a:extLst>
               <a:ext uri="{91240B29-F687-4f45-9708-019B960494DF}">
-                <a14:hiddenLine xmlns="" xmlns:a14="http://schemas.microsoft.com/office/drawing/2010/main" w="9525">
+                <a14:hiddenLine xmlns:a14="http://schemas.microsoft.com/office/drawing/2010/main" xmlns="" w="9525">
                   <a:solidFill>
                     <a:srgbClr val="000000"/>
                   </a:solidFill>
@@ -9331,7 +9331,7 @@
           <a:noFill/>
           <a:extLst>
             <a:ext uri="{909E8E84-426E-40dd-AFC4-6F175D3DCCD1}">
-              <a14:hiddenFill xmlns="" xmlns:a14="http://schemas.microsoft.com/office/drawing/2010/main">
+              <a14:hiddenFill xmlns:a14="http://schemas.microsoft.com/office/drawing/2010/main" xmlns="">
                 <a:solidFill>
                   <a:srgbClr val="FFFFFF"/>
                 </a:solidFill>
@@ -9405,7 +9405,7 @@
               </a:ln>
               <a:extLst>
                 <a:ext uri="{91240B29-F687-4f45-9708-019B960494DF}">
-                  <a14:hiddenLine xmlns="" xmlns:a14="http://schemas.microsoft.com/office/drawing/2010/main" w="9525">
+                  <a14:hiddenLine xmlns:a14="http://schemas.microsoft.com/office/drawing/2010/main" xmlns="" w="9525">
                     <a:solidFill>
                       <a:srgbClr val="000000"/>
                     </a:solidFill>
@@ -9495,7 +9495,7 @@
               </a:ln>
               <a:extLst>
                 <a:ext uri="{91240B29-F687-4f45-9708-019B960494DF}">
-                  <a14:hiddenLine xmlns="" xmlns:a14="http://schemas.microsoft.com/office/drawing/2010/main" w="9525">
+                  <a14:hiddenLine xmlns:a14="http://schemas.microsoft.com/office/drawing/2010/main" xmlns="" w="9525">
                     <a:solidFill>
                       <a:srgbClr val="000000"/>
                     </a:solidFill>
@@ -9585,7 +9585,7 @@
               </a:ln>
               <a:extLst>
                 <a:ext uri="{91240B29-F687-4f45-9708-019B960494DF}">
-                  <a14:hiddenLine xmlns="" xmlns:a14="http://schemas.microsoft.com/office/drawing/2010/main" w="9525">
+                  <a14:hiddenLine xmlns:a14="http://schemas.microsoft.com/office/drawing/2010/main" xmlns="" w="9525">
                     <a:solidFill>
                       <a:srgbClr val="000000"/>
                     </a:solidFill>
@@ -9647,7 +9647,7 @@
               </a:ln>
               <a:extLst>
                 <a:ext uri="{91240B29-F687-4f45-9708-019B960494DF}">
-                  <a14:hiddenLine xmlns="" xmlns:a14="http://schemas.microsoft.com/office/drawing/2010/main" w="9525">
+                  <a14:hiddenLine xmlns:a14="http://schemas.microsoft.com/office/drawing/2010/main" xmlns="" w="9525">
                     <a:solidFill>
                       <a:srgbClr val="000000"/>
                     </a:solidFill>
@@ -9737,7 +9737,7 @@
               </a:ln>
               <a:extLst>
                 <a:ext uri="{91240B29-F687-4f45-9708-019B960494DF}">
-                  <a14:hiddenLine xmlns="" xmlns:a14="http://schemas.microsoft.com/office/drawing/2010/main" w="9525">
+                  <a14:hiddenLine xmlns:a14="http://schemas.microsoft.com/office/drawing/2010/main" xmlns="" w="9525">
                     <a:solidFill>
                       <a:srgbClr val="000000"/>
                     </a:solidFill>
@@ -9799,7 +9799,7 @@
               </a:ln>
               <a:extLst>
                 <a:ext uri="{91240B29-F687-4f45-9708-019B960494DF}">
-                  <a14:hiddenLine xmlns="" xmlns:a14="http://schemas.microsoft.com/office/drawing/2010/main" w="9525">
+                  <a14:hiddenLine xmlns:a14="http://schemas.microsoft.com/office/drawing/2010/main" xmlns="" w="9525">
                     <a:solidFill>
                       <a:srgbClr val="000000"/>
                     </a:solidFill>
@@ -9861,7 +9861,7 @@
               </a:ln>
               <a:extLst>
                 <a:ext uri="{91240B29-F687-4f45-9708-019B960494DF}">
-                  <a14:hiddenLine xmlns="" xmlns:a14="http://schemas.microsoft.com/office/drawing/2010/main" w="9525">
+                  <a14:hiddenLine xmlns:a14="http://schemas.microsoft.com/office/drawing/2010/main" xmlns="" w="9525">
                     <a:solidFill>
                       <a:srgbClr val="000000"/>
                     </a:solidFill>
@@ -9951,7 +9951,7 @@
               </a:ln>
               <a:extLst>
                 <a:ext uri="{91240B29-F687-4f45-9708-019B960494DF}">
-                  <a14:hiddenLine xmlns="" xmlns:a14="http://schemas.microsoft.com/office/drawing/2010/main" w="9525">
+                  <a14:hiddenLine xmlns:a14="http://schemas.microsoft.com/office/drawing/2010/main" xmlns="" w="9525">
                     <a:solidFill>
                       <a:srgbClr val="000000"/>
                     </a:solidFill>
@@ -10041,7 +10041,7 @@
               </a:ln>
               <a:extLst>
                 <a:ext uri="{91240B29-F687-4f45-9708-019B960494DF}">
-                  <a14:hiddenLine xmlns="" xmlns:a14="http://schemas.microsoft.com/office/drawing/2010/main" w="9525">
+                  <a14:hiddenLine xmlns:a14="http://schemas.microsoft.com/office/drawing/2010/main" xmlns="" w="9525">
                     <a:solidFill>
                       <a:srgbClr val="000000"/>
                     </a:solidFill>
@@ -10103,7 +10103,7 @@
               </a:ln>
               <a:extLst>
                 <a:ext uri="{91240B29-F687-4f45-9708-019B960494DF}">
-                  <a14:hiddenLine xmlns="" xmlns:a14="http://schemas.microsoft.com/office/drawing/2010/main" w="9525">
+                  <a14:hiddenLine xmlns:a14="http://schemas.microsoft.com/office/drawing/2010/main" xmlns="" w="9525">
                     <a:solidFill>
                       <a:srgbClr val="000000"/>
                     </a:solidFill>
@@ -10213,7 +10213,7 @@
               </a:ln>
               <a:extLst>
                 <a:ext uri="{91240B29-F687-4f45-9708-019B960494DF}">
-                  <a14:hiddenLine xmlns="" xmlns:a14="http://schemas.microsoft.com/office/drawing/2010/main" w="9525">
+                  <a14:hiddenLine xmlns:a14="http://schemas.microsoft.com/office/drawing/2010/main" xmlns="" w="9525">
                     <a:solidFill>
                       <a:srgbClr val="000000"/>
                     </a:solidFill>
@@ -10297,7 +10297,7 @@
               </a:ln>
               <a:extLst>
                 <a:ext uri="{91240B29-F687-4f45-9708-019B960494DF}">
-                  <a14:hiddenLine xmlns="" xmlns:a14="http://schemas.microsoft.com/office/drawing/2010/main" w="9525">
+                  <a14:hiddenLine xmlns:a14="http://schemas.microsoft.com/office/drawing/2010/main" xmlns="" w="9525">
                     <a:solidFill>
                       <a:srgbClr val="000000"/>
                     </a:solidFill>
@@ -10359,7 +10359,7 @@
               </a:ln>
               <a:extLst>
                 <a:ext uri="{91240B29-F687-4f45-9708-019B960494DF}">
-                  <a14:hiddenLine xmlns="" xmlns:a14="http://schemas.microsoft.com/office/drawing/2010/main" w="9525">
+                  <a14:hiddenLine xmlns:a14="http://schemas.microsoft.com/office/drawing/2010/main" xmlns="" w="9525">
                     <a:solidFill>
                       <a:srgbClr val="000000"/>
                     </a:solidFill>
@@ -10421,7 +10421,7 @@
               </a:ln>
               <a:extLst>
                 <a:ext uri="{91240B29-F687-4f45-9708-019B960494DF}">
-                  <a14:hiddenLine xmlns="" xmlns:a14="http://schemas.microsoft.com/office/drawing/2010/main" w="9525">
+                  <a14:hiddenLine xmlns:a14="http://schemas.microsoft.com/office/drawing/2010/main" xmlns="" w="9525">
                     <a:solidFill>
                       <a:srgbClr val="000000"/>
                     </a:solidFill>
@@ -10511,7 +10511,7 @@
               </a:ln>
               <a:extLst>
                 <a:ext uri="{91240B29-F687-4f45-9708-019B960494DF}">
-                  <a14:hiddenLine xmlns="" xmlns:a14="http://schemas.microsoft.com/office/drawing/2010/main" w="9525">
+                  <a14:hiddenLine xmlns:a14="http://schemas.microsoft.com/office/drawing/2010/main" xmlns="" w="9525">
                     <a:solidFill>
                       <a:srgbClr val="000000"/>
                     </a:solidFill>
@@ -10545,7 +10545,7 @@
               </a:ln>
               <a:extLst>
                 <a:ext uri="{91240B29-F687-4f45-9708-019B960494DF}">
-                  <a14:hiddenLine xmlns="" xmlns:a14="http://schemas.microsoft.com/office/drawing/2010/main" w="9525">
+                  <a14:hiddenLine xmlns:a14="http://schemas.microsoft.com/office/drawing/2010/main" xmlns="" w="9525">
                     <a:solidFill>
                       <a:srgbClr val="000000"/>
                     </a:solidFill>
@@ -10610,7 +10610,7 @@
               </a:ln>
               <a:extLst>
                 <a:ext uri="{91240B29-F687-4f45-9708-019B960494DF}">
-                  <a14:hiddenLine xmlns="" xmlns:a14="http://schemas.microsoft.com/office/drawing/2010/main" w="9525">
+                  <a14:hiddenLine xmlns:a14="http://schemas.microsoft.com/office/drawing/2010/main" xmlns="" w="9525">
                     <a:solidFill>
                       <a:srgbClr val="000000"/>
                     </a:solidFill>
@@ -10700,7 +10700,7 @@
               </a:ln>
               <a:extLst>
                 <a:ext uri="{91240B29-F687-4f45-9708-019B960494DF}">
-                  <a14:hiddenLine xmlns="" xmlns:a14="http://schemas.microsoft.com/office/drawing/2010/main" w="9525">
+                  <a14:hiddenLine xmlns:a14="http://schemas.microsoft.com/office/drawing/2010/main" xmlns="" w="9525">
                     <a:solidFill>
                       <a:srgbClr val="000000"/>
                     </a:solidFill>
@@ -10762,7 +10762,7 @@
               </a:ln>
               <a:extLst>
                 <a:ext uri="{91240B29-F687-4f45-9708-019B960494DF}">
-                  <a14:hiddenLine xmlns="" xmlns:a14="http://schemas.microsoft.com/office/drawing/2010/main" w="9525">
+                  <a14:hiddenLine xmlns:a14="http://schemas.microsoft.com/office/drawing/2010/main" xmlns="" w="9525">
                     <a:solidFill>
                       <a:srgbClr val="000000"/>
                     </a:solidFill>
@@ -10852,7 +10852,7 @@
               </a:ln>
               <a:extLst>
                 <a:ext uri="{91240B29-F687-4f45-9708-019B960494DF}">
-                  <a14:hiddenLine xmlns="" xmlns:a14="http://schemas.microsoft.com/office/drawing/2010/main" w="9525">
+                  <a14:hiddenLine xmlns:a14="http://schemas.microsoft.com/office/drawing/2010/main" xmlns="" w="9525">
                     <a:solidFill>
                       <a:srgbClr val="000000"/>
                     </a:solidFill>
@@ -10917,7 +10917,7 @@
               </a:ln>
               <a:extLst>
                 <a:ext uri="{91240B29-F687-4f45-9708-019B960494DF}">
-                  <a14:hiddenLine xmlns="" xmlns:a14="http://schemas.microsoft.com/office/drawing/2010/main" w="9525">
+                  <a14:hiddenLine xmlns:a14="http://schemas.microsoft.com/office/drawing/2010/main" xmlns="" w="9525">
                     <a:solidFill>
                       <a:srgbClr val="000000"/>
                     </a:solidFill>
@@ -10979,7 +10979,7 @@
               </a:ln>
               <a:extLst>
                 <a:ext uri="{91240B29-F687-4f45-9708-019B960494DF}">
-                  <a14:hiddenLine xmlns="" xmlns:a14="http://schemas.microsoft.com/office/drawing/2010/main" w="9525">
+                  <a14:hiddenLine xmlns:a14="http://schemas.microsoft.com/office/drawing/2010/main" xmlns="" w="9525">
                     <a:solidFill>
                       <a:srgbClr val="000000"/>
                     </a:solidFill>
@@ -11069,7 +11069,7 @@
               </a:ln>
               <a:extLst>
                 <a:ext uri="{91240B29-F687-4f45-9708-019B960494DF}">
-                  <a14:hiddenLine xmlns="" xmlns:a14="http://schemas.microsoft.com/office/drawing/2010/main" w="9525">
+                  <a14:hiddenLine xmlns:a14="http://schemas.microsoft.com/office/drawing/2010/main" xmlns="" w="9525">
                     <a:solidFill>
                       <a:srgbClr val="000000"/>
                     </a:solidFill>
@@ -11159,7 +11159,7 @@
               </a:ln>
               <a:extLst>
                 <a:ext uri="{91240B29-F687-4f45-9708-019B960494DF}">
-                  <a14:hiddenLine xmlns="" xmlns:a14="http://schemas.microsoft.com/office/drawing/2010/main" w="9525">
+                  <a14:hiddenLine xmlns:a14="http://schemas.microsoft.com/office/drawing/2010/main" xmlns="" w="9525">
                     <a:solidFill>
                       <a:srgbClr val="000000"/>
                     </a:solidFill>
@@ -11224,7 +11224,7 @@
               </a:ln>
               <a:extLst>
                 <a:ext uri="{91240B29-F687-4f45-9708-019B960494DF}">
-                  <a14:hiddenLine xmlns="" xmlns:a14="http://schemas.microsoft.com/office/drawing/2010/main" w="9525">
+                  <a14:hiddenLine xmlns:a14="http://schemas.microsoft.com/office/drawing/2010/main" xmlns="" w="9525">
                     <a:solidFill>
                       <a:srgbClr val="000000"/>
                     </a:solidFill>
@@ -11344,7 +11344,7 @@
               </a:ln>
               <a:extLst>
                 <a:ext uri="{91240B29-F687-4f45-9708-019B960494DF}">
-                  <a14:hiddenLine xmlns="" xmlns:a14="http://schemas.microsoft.com/office/drawing/2010/main" w="9525">
+                  <a14:hiddenLine xmlns:a14="http://schemas.microsoft.com/office/drawing/2010/main" xmlns="" w="9525">
                     <a:solidFill>
                       <a:srgbClr val="000000"/>
                     </a:solidFill>
@@ -11442,7 +11442,7 @@
               </a:ln>
               <a:extLst>
                 <a:ext uri="{91240B29-F687-4f45-9708-019B960494DF}">
-                  <a14:hiddenLine xmlns="" xmlns:a14="http://schemas.microsoft.com/office/drawing/2010/main" w="9525">
+                  <a14:hiddenLine xmlns:a14="http://schemas.microsoft.com/office/drawing/2010/main" xmlns="" w="9525">
                     <a:solidFill>
                       <a:srgbClr val="000000"/>
                     </a:solidFill>
@@ -11557,7 +11557,7 @@
               </a:ln>
               <a:extLst>
                 <a:ext uri="{91240B29-F687-4f45-9708-019B960494DF}">
-                  <a14:hiddenLine xmlns="" xmlns:a14="http://schemas.microsoft.com/office/drawing/2010/main" w="9525">
+                  <a14:hiddenLine xmlns:a14="http://schemas.microsoft.com/office/drawing/2010/main" xmlns="" w="9525">
                     <a:solidFill>
                       <a:srgbClr val="000000"/>
                     </a:solidFill>
@@ -11647,7 +11647,7 @@
               </a:ln>
               <a:extLst>
                 <a:ext uri="{91240B29-F687-4f45-9708-019B960494DF}">
-                  <a14:hiddenLine xmlns="" xmlns:a14="http://schemas.microsoft.com/office/drawing/2010/main" w="9525">
+                  <a14:hiddenLine xmlns:a14="http://schemas.microsoft.com/office/drawing/2010/main" xmlns="" w="9525">
                     <a:solidFill>
                       <a:srgbClr val="000000"/>
                     </a:solidFill>
@@ -11712,7 +11712,7 @@
               </a:ln>
               <a:extLst>
                 <a:ext uri="{91240B29-F687-4f45-9708-019B960494DF}">
-                  <a14:hiddenLine xmlns="" xmlns:a14="http://schemas.microsoft.com/office/drawing/2010/main" w="9525">
+                  <a14:hiddenLine xmlns:a14="http://schemas.microsoft.com/office/drawing/2010/main" xmlns="" w="9525">
                     <a:solidFill>
                       <a:srgbClr val="000000"/>
                     </a:solidFill>
@@ -11802,7 +11802,7 @@
               </a:ln>
               <a:extLst>
                 <a:ext uri="{91240B29-F687-4f45-9708-019B960494DF}">
-                  <a14:hiddenLine xmlns="" xmlns:a14="http://schemas.microsoft.com/office/drawing/2010/main" w="9525">
+                  <a14:hiddenLine xmlns:a14="http://schemas.microsoft.com/office/drawing/2010/main" xmlns="" w="9525">
                     <a:solidFill>
                       <a:srgbClr val="000000"/>
                     </a:solidFill>
@@ -11870,7 +11870,7 @@
               </a:ln>
               <a:extLst>
                 <a:ext uri="{91240B29-F687-4f45-9708-019B960494DF}">
-                  <a14:hiddenLine xmlns="" xmlns:a14="http://schemas.microsoft.com/office/drawing/2010/main" w="9525">
+                  <a14:hiddenLine xmlns:a14="http://schemas.microsoft.com/office/drawing/2010/main" xmlns="" w="9525">
                     <a:solidFill>
                       <a:srgbClr val="000000"/>
                     </a:solidFill>
@@ -11960,7 +11960,7 @@
               </a:ln>
               <a:extLst>
                 <a:ext uri="{91240B29-F687-4f45-9708-019B960494DF}">
-                  <a14:hiddenLine xmlns="" xmlns:a14="http://schemas.microsoft.com/office/drawing/2010/main" w="9525">
+                  <a14:hiddenLine xmlns:a14="http://schemas.microsoft.com/office/drawing/2010/main" xmlns="" w="9525">
                     <a:solidFill>
                       <a:srgbClr val="000000"/>
                     </a:solidFill>
@@ -12028,7 +12028,7 @@
               </a:ln>
               <a:extLst>
                 <a:ext uri="{91240B29-F687-4f45-9708-019B960494DF}">
-                  <a14:hiddenLine xmlns="" xmlns:a14="http://schemas.microsoft.com/office/drawing/2010/main" w="9525">
+                  <a14:hiddenLine xmlns:a14="http://schemas.microsoft.com/office/drawing/2010/main" xmlns="" w="9525">
                     <a:solidFill>
                       <a:srgbClr val="000000"/>
                     </a:solidFill>
@@ -12118,7 +12118,7 @@
               </a:ln>
               <a:extLst>
                 <a:ext uri="{91240B29-F687-4f45-9708-019B960494DF}">
-                  <a14:hiddenLine xmlns="" xmlns:a14="http://schemas.microsoft.com/office/drawing/2010/main" w="9525">
+                  <a14:hiddenLine xmlns:a14="http://schemas.microsoft.com/office/drawing/2010/main" xmlns="" w="9525">
                     <a:solidFill>
                       <a:srgbClr val="000000"/>
                     </a:solidFill>
@@ -12152,7 +12152,7 @@
               </a:ln>
               <a:extLst>
                 <a:ext uri="{91240B29-F687-4f45-9708-019B960494DF}">
-                  <a14:hiddenLine xmlns="" xmlns:a14="http://schemas.microsoft.com/office/drawing/2010/main" w="9525">
+                  <a14:hiddenLine xmlns:a14="http://schemas.microsoft.com/office/drawing/2010/main" xmlns="" w="9525">
                     <a:solidFill>
                       <a:srgbClr val="000000"/>
                     </a:solidFill>
@@ -13340,7 +13340,7 @@
         <p:spPr>
           <a:xfrm>
             <a:off x="1224947" y="1342027"/>
-            <a:ext cx="8012698" cy="4723809"/>
+            <a:ext cx="8195500" cy="4831578"/>
           </a:xfrm>
           <a:prstGeom prst="rect">
             <a:avLst/>
@@ -13363,6 +13363,31 @@
 <file path=ppt/slides/slide3.xml><?xml version="1.0" encoding="utf-8"?>
 <p:sld xmlns:a="http://schemas.openxmlformats.org/drawingml/2006/main" xmlns:r="http://schemas.openxmlformats.org/officeDocument/2006/relationships" xmlns:p="http://schemas.openxmlformats.org/presentationml/2006/main">
   <p:cSld>
+    <p:bg>
+      <p:bgPr>
+        <a:blipFill>
+          <a:blip r:embed="rId2">
+            <a:duotone>
+              <a:schemeClr val="bg2">
+                <a:shade val="88000"/>
+                <a:hueMod val="106000"/>
+                <a:satMod val="140000"/>
+                <a:lumMod val="54000"/>
+              </a:schemeClr>
+              <a:schemeClr val="bg2">
+                <a:tint val="98000"/>
+                <a:hueMod val="90000"/>
+                <a:satMod val="150000"/>
+                <a:lumMod val="160000"/>
+              </a:schemeClr>
+            </a:duotone>
+            <a:extLst/>
+          </a:blip>
+          <a:stretch/>
+        </a:blipFill>
+        <a:effectLst/>
+      </p:bgPr>
+    </p:bg>
     <p:spTree>
       <p:nvGrpSpPr>
         <p:cNvPr id="1" name=""/>
@@ -13395,12 +13420,14 @@
         </p:nvSpPr>
         <p:spPr>
           <a:xfrm>
-            <a:off x="1141412" y="181196"/>
+            <a:off x="1141413" y="618518"/>
             <a:ext cx="9905998" cy="1478570"/>
           </a:xfrm>
         </p:spPr>
         <p:txBody>
-          <a:bodyPr/>
+          <a:bodyPr>
+            <a:normAutofit/>
+          </a:bodyPr>
           <a:lstStyle/>
           <a:p>
             <a:r>
@@ -13410,6 +13437,106 @@
           </a:p>
         </p:txBody>
       </p:sp>
+      <p:pic>
+        <p:nvPicPr>
+          <p:cNvPr id="8" name="Picture 7" descr="A close up of electronics&#10;&#10;Description automatically generated">
+            <a:extLst>
+              <a:ext uri="{FF2B5EF4-FFF2-40B4-BE49-F238E27FC236}">
+                <a16:creationId xmlns:a16="http://schemas.microsoft.com/office/drawing/2014/main" id="{19CC4ACA-67A4-4B16-AF8A-042EBB9EB2D9}"/>
+              </a:ext>
+            </a:extLst>
+          </p:cNvPr>
+          <p:cNvPicPr>
+            <a:picLocks noChangeAspect="1"/>
+          </p:cNvPicPr>
+          <p:nvPr/>
+        </p:nvPicPr>
+        <p:blipFill>
+          <a:blip r:embed="rId3"/>
+          <a:stretch>
+            <a:fillRect/>
+          </a:stretch>
+        </p:blipFill>
+        <p:spPr>
+          <a:xfrm>
+            <a:off x="1060809" y="3212690"/>
+            <a:ext cx="3740779" cy="2440858"/>
+          </a:xfrm>
+          <a:prstGeom prst="round2DiagRect">
+            <a:avLst>
+              <a:gd name="adj1" fmla="val 5608"/>
+              <a:gd name="adj2" fmla="val 0"/>
+            </a:avLst>
+          </a:prstGeom>
+          <a:ln w="19050" cap="sq">
+            <a:solidFill>
+              <a:schemeClr val="tx2">
+                <a:lumMod val="60000"/>
+                <a:lumOff val="40000"/>
+                <a:alpha val="60000"/>
+              </a:schemeClr>
+            </a:solidFill>
+            <a:miter lim="800000"/>
+          </a:ln>
+          <a:effectLst>
+            <a:outerShdw blurRad="88900" dist="38100" dir="5400000" algn="t" rotWithShape="0">
+              <a:prstClr val="black">
+                <a:alpha val="40000"/>
+              </a:prstClr>
+            </a:outerShdw>
+          </a:effectLst>
+        </p:spPr>
+      </p:pic>
+      <p:pic>
+        <p:nvPicPr>
+          <p:cNvPr id="6" name="Picture 5">
+            <a:extLst>
+              <a:ext uri="{FF2B5EF4-FFF2-40B4-BE49-F238E27FC236}">
+                <a16:creationId xmlns:a16="http://schemas.microsoft.com/office/drawing/2014/main" id="{7477E8D6-12D4-4499-B384-4EF00515AFD6}"/>
+              </a:ext>
+            </a:extLst>
+          </p:cNvPr>
+          <p:cNvPicPr>
+            <a:picLocks noChangeAspect="1"/>
+          </p:cNvPicPr>
+          <p:nvPr/>
+        </p:nvPicPr>
+        <p:blipFill>
+          <a:blip r:embed="rId4"/>
+          <a:stretch>
+            <a:fillRect/>
+          </a:stretch>
+        </p:blipFill>
+        <p:spPr>
+          <a:xfrm>
+            <a:off x="1141413" y="2129144"/>
+            <a:ext cx="3587903" cy="735520"/>
+          </a:xfrm>
+          <a:prstGeom prst="round2DiagRect">
+            <a:avLst>
+              <a:gd name="adj1" fmla="val 5608"/>
+              <a:gd name="adj2" fmla="val 0"/>
+            </a:avLst>
+          </a:prstGeom>
+          <a:ln w="19050" cap="sq">
+            <a:solidFill>
+              <a:schemeClr val="tx2">
+                <a:lumMod val="60000"/>
+                <a:lumOff val="40000"/>
+                <a:alpha val="60000"/>
+              </a:schemeClr>
+            </a:solidFill>
+            <a:miter lim="800000"/>
+          </a:ln>
+          <a:effectLst>
+            <a:outerShdw blurRad="88900" dist="38100" dir="5400000" algn="t" rotWithShape="0">
+              <a:prstClr val="black">
+                <a:alpha val="40000"/>
+              </a:prstClr>
+            </a:outerShdw>
+          </a:effectLst>
+        </p:spPr>
+      </p:pic>
       <p:sp>
         <p:nvSpPr>
           <p:cNvPr id="5" name="Content Placeholder 4">
@@ -13426,9 +13553,16 @@
             <p:ph idx="1"/>
           </p:nvPr>
         </p:nvSpPr>
-        <p:spPr/>
+        <p:spPr>
+          <a:xfrm>
+            <a:off x="5034579" y="2249487"/>
+            <a:ext cx="6012832" cy="3541714"/>
+          </a:xfrm>
+        </p:spPr>
         <p:txBody>
-          <a:bodyPr/>
+          <a:bodyPr>
+            <a:normAutofit/>
+          </a:bodyPr>
           <a:lstStyle/>
           <a:p>
             <a:r>
@@ -13455,7 +13589,7 @@
             </a:r>
             <a:r>
               <a:rPr lang="en-US" dirty="0">
-                <a:hlinkClick r:id="rId2"/>
+                <a:hlinkClick r:id="rId5"/>
               </a:rPr>
               <a:t>https://www.highcharts.com/</a:t>
             </a:r>
@@ -13479,16 +13613,33 @@
             <p:ph type="sldNum" sz="quarter" idx="12"/>
           </p:nvPr>
         </p:nvSpPr>
-        <p:spPr/>
+        <p:spPr>
+          <a:xfrm>
+            <a:off x="10276321" y="6309360"/>
+            <a:ext cx="771089" cy="365125"/>
+          </a:xfrm>
+        </p:spPr>
         <p:txBody>
-          <a:bodyPr/>
+          <a:bodyPr>
+            <a:normAutofit/>
+          </a:bodyPr>
           <a:lstStyle/>
           <a:p>
+            <a:pPr>
+              <a:spcAft>
+                <a:spcPts val="600"/>
+              </a:spcAft>
+            </a:pPr>
             <a:fld id="{6D22F896-40B5-4ADD-8801-0D06FADFA095}" type="slidenum">
               <a:rPr lang="en-US" smtClean="0"/>
+              <a:pPr>
+                <a:spcAft>
+                  <a:spcPts val="600"/>
+                </a:spcAft>
+              </a:pPr>
               <a:t>3</a:t>
             </a:fld>
-            <a:endParaRPr lang="en-US" dirty="0"/>
+            <a:endParaRPr lang="en-US"/>
           </a:p>
         </p:txBody>
       </p:sp>
@@ -13524,10 +13675,10 @@
       </p:grpSpPr>
       <p:pic>
         <p:nvPicPr>
-          <p:cNvPr id="21" name="Picture 20">
+          <p:cNvPr id="6" name="Picture 5">
             <a:extLst>
               <a:ext uri="{FF2B5EF4-FFF2-40B4-BE49-F238E27FC236}">
-                <a16:creationId xmlns:a16="http://schemas.microsoft.com/office/drawing/2014/main" id="{4DF9F2C3-4654-4E83-8207-BD02502B3C50}"/>
+                <a16:creationId xmlns:a16="http://schemas.microsoft.com/office/drawing/2014/main" id="{6DB8A450-2B95-41D0-A9A5-4D42A3BD044E}"/>
               </a:ext>
             </a:extLst>
           </p:cNvPr>
@@ -13544,12 +13695,22 @@
         </p:blipFill>
         <p:spPr>
           <a:xfrm>
-            <a:off x="142569" y="1222985"/>
-            <a:ext cx="11906862" cy="4242018"/>
+            <a:off x="837910" y="1177443"/>
+            <a:ext cx="9986833" cy="4865517"/>
           </a:xfrm>
           <a:prstGeom prst="rect">
             <a:avLst/>
           </a:prstGeom>
+          <a:ln>
+            <a:noFill/>
+          </a:ln>
+          <a:effectLst>
+            <a:outerShdw blurRad="292100" dist="139700" dir="2700000" algn="tl" rotWithShape="0">
+              <a:srgbClr val="333333">
+                <a:alpha val="65000"/>
+              </a:srgbClr>
+            </a:outerShdw>
+          </a:effectLst>
         </p:spPr>
       </p:pic>
       <p:sp>
@@ -13668,66 +13829,6 @@
           </a:p>
         </p:txBody>
       </p:sp>
-      <p:pic>
-        <p:nvPicPr>
-          <p:cNvPr id="8" name="Picture 7">
-            <a:extLst>
-              <a:ext uri="{FF2B5EF4-FFF2-40B4-BE49-F238E27FC236}">
-                <a16:creationId xmlns:a16="http://schemas.microsoft.com/office/drawing/2014/main" id="{780B3930-CE19-436E-B97D-07BD5F943C93}"/>
-              </a:ext>
-            </a:extLst>
-          </p:cNvPr>
-          <p:cNvPicPr>
-            <a:picLocks noChangeAspect="1"/>
-          </p:cNvPicPr>
-          <p:nvPr/>
-        </p:nvPicPr>
-        <p:blipFill>
-          <a:blip r:embed="rId3"/>
-          <a:stretch>
-            <a:fillRect/>
-          </a:stretch>
-        </p:blipFill>
-        <p:spPr>
-          <a:xfrm>
-            <a:off x="211036" y="5588809"/>
-            <a:ext cx="9849356" cy="742988"/>
-          </a:xfrm>
-          <a:prstGeom prst="rect">
-            <a:avLst/>
-          </a:prstGeom>
-        </p:spPr>
-      </p:pic>
-      <p:pic>
-        <p:nvPicPr>
-          <p:cNvPr id="12" name="Picture 11">
-            <a:extLst>
-              <a:ext uri="{FF2B5EF4-FFF2-40B4-BE49-F238E27FC236}">
-                <a16:creationId xmlns:a16="http://schemas.microsoft.com/office/drawing/2014/main" id="{2064452B-60C0-430E-AFD4-45EF926DBFA8}"/>
-              </a:ext>
-            </a:extLst>
-          </p:cNvPr>
-          <p:cNvPicPr>
-            <a:picLocks noChangeAspect="1"/>
-          </p:cNvPicPr>
-          <p:nvPr/>
-        </p:nvPicPr>
-        <p:blipFill>
-          <a:blip r:embed="rId4"/>
-          <a:stretch>
-            <a:fillRect/>
-          </a:stretch>
-        </p:blipFill>
-        <p:spPr>
-          <a:xfrm>
-            <a:off x="5490888" y="683244"/>
-            <a:ext cx="3494100" cy="402199"/>
-          </a:xfrm>
-          <a:prstGeom prst="rect">
-            <a:avLst/>
-          </a:prstGeom>
-        </p:spPr>
-      </p:pic>
       <p:sp>
         <p:nvSpPr>
           <p:cNvPr id="17" name="Rectangle 16">
@@ -13742,8 +13843,8 @@
         </p:nvSpPr>
         <p:spPr>
           <a:xfrm>
-            <a:off x="211036" y="1168117"/>
-            <a:ext cx="2691190" cy="401325"/>
+            <a:off x="837910" y="1259387"/>
+            <a:ext cx="3219414" cy="401325"/>
           </a:xfrm>
           <a:prstGeom prst="rect">
             <a:avLst/>
@@ -13794,8 +13895,8 @@
         </p:nvSpPr>
         <p:spPr>
           <a:xfrm>
-            <a:off x="8984988" y="4865550"/>
-            <a:ext cx="2823964" cy="539059"/>
+            <a:off x="8726750" y="5660324"/>
+            <a:ext cx="1882066" cy="395710"/>
           </a:xfrm>
           <a:prstGeom prst="rect">
             <a:avLst/>
@@ -13846,8 +13947,8 @@
         </p:nvSpPr>
         <p:spPr>
           <a:xfrm>
-            <a:off x="10060392" y="1848789"/>
-            <a:ext cx="1838013" cy="243891"/>
+            <a:off x="8536103" y="2015231"/>
+            <a:ext cx="2192335" cy="350049"/>
           </a:xfrm>
           <a:prstGeom prst="rect">
             <a:avLst/>
@@ -13881,6 +13982,82 @@
           <a:p>
             <a:pPr algn="ctr"/>
             <a:endParaRPr lang="en-US" dirty="0"/>
+          </a:p>
+        </p:txBody>
+      </p:sp>
+      <p:pic>
+        <p:nvPicPr>
+          <p:cNvPr id="9" name="Picture 8">
+            <a:extLst>
+              <a:ext uri="{FF2B5EF4-FFF2-40B4-BE49-F238E27FC236}">
+                <a16:creationId xmlns:a16="http://schemas.microsoft.com/office/drawing/2014/main" id="{C385CF89-4B09-41BE-880B-5B563E5FCA5D}"/>
+              </a:ext>
+            </a:extLst>
+          </p:cNvPr>
+          <p:cNvPicPr>
+            <a:picLocks noChangeAspect="1"/>
+          </p:cNvPicPr>
+          <p:nvPr/>
+        </p:nvPicPr>
+        <p:blipFill>
+          <a:blip r:embed="rId3"/>
+          <a:stretch>
+            <a:fillRect/>
+          </a:stretch>
+        </p:blipFill>
+        <p:spPr>
+          <a:xfrm>
+            <a:off x="8474339" y="313261"/>
+            <a:ext cx="2903220" cy="746760"/>
+          </a:xfrm>
+          <a:prstGeom prst="rect">
+            <a:avLst/>
+          </a:prstGeom>
+        </p:spPr>
+      </p:pic>
+      <p:sp>
+        <p:nvSpPr>
+          <p:cNvPr id="10" name="Arrow: Up 9">
+            <a:extLst>
+              <a:ext uri="{FF2B5EF4-FFF2-40B4-BE49-F238E27FC236}">
+                <a16:creationId xmlns:a16="http://schemas.microsoft.com/office/drawing/2014/main" id="{64B91C71-0D48-4C3A-9B6E-DA75DCBD9DB8}"/>
+              </a:ext>
+            </a:extLst>
+          </p:cNvPr>
+          <p:cNvSpPr/>
+          <p:nvPr/>
+        </p:nvSpPr>
+        <p:spPr>
+          <a:xfrm>
+            <a:off x="9969623" y="1197676"/>
+            <a:ext cx="228256" cy="817555"/>
+          </a:xfrm>
+          <a:prstGeom prst="upArrow">
+            <a:avLst/>
+          </a:prstGeom>
+        </p:spPr>
+        <p:style>
+          <a:lnRef idx="2">
+            <a:schemeClr val="accent1">
+              <a:shade val="50000"/>
+            </a:schemeClr>
+          </a:lnRef>
+          <a:fillRef idx="1">
+            <a:schemeClr val="accent1"/>
+          </a:fillRef>
+          <a:effectRef idx="0">
+            <a:schemeClr val="accent1"/>
+          </a:effectRef>
+          <a:fontRef idx="minor">
+            <a:schemeClr val="lt1"/>
+          </a:fontRef>
+        </p:style>
+        <p:txBody>
+          <a:bodyPr rtlCol="0" anchor="ctr"/>
+          <a:lstStyle/>
+          <a:p>
+            <a:pPr algn="ctr"/>
+            <a:endParaRPr lang="en-US"/>
           </a:p>
         </p:txBody>
       </p:sp>
@@ -13998,8 +14175,8 @@
         </p:blipFill>
         <p:spPr>
           <a:xfrm>
-            <a:off x="299474" y="1268361"/>
-            <a:ext cx="11430410" cy="5552963"/>
+            <a:off x="299475" y="1277240"/>
+            <a:ext cx="10238320" cy="4973839"/>
           </a:xfrm>
           <a:prstGeom prst="rect">
             <a:avLst/>
@@ -14120,7 +14297,7 @@
         </p:blipFill>
         <p:spPr>
           <a:xfrm>
-            <a:off x="419431" y="1634821"/>
+            <a:off x="419431" y="1625943"/>
             <a:ext cx="5151120" cy="3787140"/>
           </a:xfrm>
           <a:prstGeom prst="rect">
@@ -14216,7 +14393,7 @@
           <a:p>
             <a:r>
               <a:rPr lang="en-US" dirty="0"/>
-              <a:t>Interest rate affects less</a:t>
+              <a:t>Interest rate affects stock </a:t>
             </a:r>
           </a:p>
         </p:txBody>
@@ -14252,10 +14429,10 @@
       </p:sp>
       <p:pic>
         <p:nvPicPr>
-          <p:cNvPr id="10" name="Picture 9">
+          <p:cNvPr id="12" name="Picture 11">
             <a:extLst>
               <a:ext uri="{FF2B5EF4-FFF2-40B4-BE49-F238E27FC236}">
-                <a16:creationId xmlns:a16="http://schemas.microsoft.com/office/drawing/2014/main" id="{EF22F93D-D490-4454-A91D-7D136AC41CC2}"/>
+                <a16:creationId xmlns:a16="http://schemas.microsoft.com/office/drawing/2014/main" id="{2F3EBB27-D41E-4320-BEA1-4075C1DF7489}"/>
               </a:ext>
             </a:extLst>
           </p:cNvPr>
@@ -14272,8 +14449,8 @@
         </p:blipFill>
         <p:spPr>
           <a:xfrm>
-            <a:off x="151681" y="2906853"/>
-            <a:ext cx="11868760" cy="2491093"/>
+            <a:off x="141743" y="1447698"/>
+            <a:ext cx="11868760" cy="1981302"/>
           </a:xfrm>
           <a:prstGeom prst="rect">
             <a:avLst/>
@@ -14282,10 +14459,10 @@
       </p:pic>
       <p:pic>
         <p:nvPicPr>
-          <p:cNvPr id="12" name="Picture 11">
+          <p:cNvPr id="5" name="Picture 4" descr="A screenshot of a social media post&#10;&#10;Description automatically generated">
             <a:extLst>
               <a:ext uri="{FF2B5EF4-FFF2-40B4-BE49-F238E27FC236}">
-                <a16:creationId xmlns:a16="http://schemas.microsoft.com/office/drawing/2014/main" id="{2F3EBB27-D41E-4320-BEA1-4075C1DF7489}"/>
+                <a16:creationId xmlns:a16="http://schemas.microsoft.com/office/drawing/2014/main" id="{8CEB5814-B3AD-4003-A2E5-3D3A0D655B07}"/>
               </a:ext>
             </a:extLst>
           </p:cNvPr>
@@ -14302,38 +14479,8 @@
         </p:blipFill>
         <p:spPr>
           <a:xfrm>
-            <a:off x="161620" y="1337676"/>
-            <a:ext cx="11868760" cy="1981302"/>
-          </a:xfrm>
-          <a:prstGeom prst="rect">
-            <a:avLst/>
-          </a:prstGeom>
-        </p:spPr>
-      </p:pic>
-      <p:pic>
-        <p:nvPicPr>
-          <p:cNvPr id="14" name="Picture 13">
-            <a:extLst>
-              <a:ext uri="{FF2B5EF4-FFF2-40B4-BE49-F238E27FC236}">
-                <a16:creationId xmlns:a16="http://schemas.microsoft.com/office/drawing/2014/main" id="{F017F262-9DA3-428E-8C31-C2C06EBAA2A3}"/>
-              </a:ext>
-            </a:extLst>
-          </p:cNvPr>
-          <p:cNvPicPr>
-            <a:picLocks noChangeAspect="1"/>
-          </p:cNvPicPr>
-          <p:nvPr/>
-        </p:nvPicPr>
-        <p:blipFill>
-          <a:blip r:embed="rId4"/>
-          <a:stretch>
-            <a:fillRect/>
-          </a:stretch>
-        </p:blipFill>
-        <p:spPr>
-          <a:xfrm>
-            <a:off x="161620" y="5033908"/>
-            <a:ext cx="11868760" cy="2063856"/>
+            <a:off x="141743" y="3454291"/>
+            <a:ext cx="11868761" cy="2888216"/>
           </a:xfrm>
           <a:prstGeom prst="rect">
             <a:avLst/>
@@ -14426,19 +14573,27 @@
           <a:p>
             <a:r>
               <a:rPr lang="en-US" dirty="0"/>
-              <a:t>Free stock data is only till March 2018</a:t>
+              <a:t>Free stock data is only till April 2018.</a:t>
             </a:r>
           </a:p>
           <a:p>
             <a:r>
               <a:rPr lang="en-US" dirty="0"/>
-              <a:t>Free earnings data only starts from March 2018</a:t>
+              <a:t>Free earnings data is available one year from now.</a:t>
             </a:r>
           </a:p>
           <a:p>
             <a:r>
               <a:rPr lang="en-US" dirty="0"/>
-              <a:t>Earning-stock price correlation is only available for 1 quarter.</a:t>
+              <a:t>Earning-stock price correlation is </a:t>
+            </a:r>
+            <a:r>
+              <a:rPr lang="en-US"/>
+              <a:t>only shown </a:t>
+            </a:r>
+            <a:r>
+              <a:rPr lang="en-US" dirty="0"/>
+              <a:t>for 1 quarter.</a:t>
             </a:r>
           </a:p>
           <a:p>
